--- a/dev_umgebung.pptx
+++ b/dev_umgebung.pptx
@@ -138,6 +138,45 @@
 <file path=ppt/changesInfos/changesInfo1.xml><?xml version="1.0" encoding="utf-8"?>
 <pc:chgInfo xmlns:a="http://schemas.openxmlformats.org/drawingml/2006/main" xmlns:r="http://schemas.openxmlformats.org/officeDocument/2006/relationships" xmlns:ac="http://schemas.microsoft.com/office/drawing/2013/main/command" xmlns:pc="http://schemas.microsoft.com/office/powerpoint/2013/main/command">
   <pc:docChgLst>
+    <pc:chgData name="BBZW; Kunz Robert" userId="S::robert_kunz@sluz.ch::f6bcb7ba-1f4e-487e-b0b5-5ca07834302b" providerId="AD" clId="Web-{AB8622FC-3C1A-1927-4AFC-91B873C4EC45}"/>
+    <pc:docChg chg="modSld">
+      <pc:chgData name="BBZW; Kunz Robert" userId="S::robert_kunz@sluz.ch::f6bcb7ba-1f4e-487e-b0b5-5ca07834302b" providerId="AD" clId="Web-{AB8622FC-3C1A-1927-4AFC-91B873C4EC45}" dt="2024-09-13T09:02:33.140" v="6" actId="20577"/>
+      <pc:docMkLst>
+        <pc:docMk/>
+      </pc:docMkLst>
+      <pc:sldChg chg="modSp">
+        <pc:chgData name="BBZW; Kunz Robert" userId="S::robert_kunz@sluz.ch::f6bcb7ba-1f4e-487e-b0b5-5ca07834302b" providerId="AD" clId="Web-{AB8622FC-3C1A-1927-4AFC-91B873C4EC45}" dt="2024-09-13T08:56:38.619" v="0" actId="20577"/>
+        <pc:sldMkLst>
+          <pc:docMk/>
+          <pc:sldMk cId="3294812889" sldId="259"/>
+        </pc:sldMkLst>
+        <pc:spChg chg="mod">
+          <ac:chgData name="BBZW; Kunz Robert" userId="S::robert_kunz@sluz.ch::f6bcb7ba-1f4e-487e-b0b5-5ca07834302b" providerId="AD" clId="Web-{AB8622FC-3C1A-1927-4AFC-91B873C4EC45}" dt="2024-09-13T08:56:38.619" v="0" actId="20577"/>
+          <ac:spMkLst>
+            <pc:docMk/>
+            <pc:sldMk cId="3294812889" sldId="259"/>
+            <ac:spMk id="2" creationId="{37AB27C1-CFE1-D00A-7BBF-7F626DC0782B}"/>
+          </ac:spMkLst>
+        </pc:spChg>
+      </pc:sldChg>
+      <pc:sldChg chg="modSp">
+        <pc:chgData name="BBZW; Kunz Robert" userId="S::robert_kunz@sluz.ch::f6bcb7ba-1f4e-487e-b0b5-5ca07834302b" providerId="AD" clId="Web-{AB8622FC-3C1A-1927-4AFC-91B873C4EC45}" dt="2024-09-13T09:02:33.140" v="6" actId="20577"/>
+        <pc:sldMkLst>
+          <pc:docMk/>
+          <pc:sldMk cId="3686591860" sldId="261"/>
+        </pc:sldMkLst>
+        <pc:spChg chg="mod">
+          <ac:chgData name="BBZW; Kunz Robert" userId="S::robert_kunz@sluz.ch::f6bcb7ba-1f4e-487e-b0b5-5ca07834302b" providerId="AD" clId="Web-{AB8622FC-3C1A-1927-4AFC-91B873C4EC45}" dt="2024-09-13T09:02:33.140" v="6" actId="20577"/>
+          <ac:spMkLst>
+            <pc:docMk/>
+            <pc:sldMk cId="3686591860" sldId="261"/>
+            <ac:spMk id="2" creationId="{201175E4-BAF4-96A2-B48F-703CBE098588}"/>
+          </ac:spMkLst>
+        </pc:spChg>
+      </pc:sldChg>
+    </pc:docChg>
+  </pc:docChgLst>
+  <pc:docChgLst>
     <pc:chgData name="BBZB;BBZW; Furrer Jeremias" userId="S::jeremias_furrer@sluz.ch::72d0eb6f-282d-4a72-8d42-ae12970321f6" providerId="AD" clId="Web-{0142E650-C6C6-725D-2A1F-D063DBB2FB12}"/>
     <pc:docChg chg="modSld">
       <pc:chgData name="BBZB;BBZW; Furrer Jeremias" userId="S::jeremias_furrer@sluz.ch::72d0eb6f-282d-4a72-8d42-ae12970321f6" providerId="AD" clId="Web-{0142E650-C6C6-725D-2A1F-D063DBB2FB12}" dt="2024-09-13T09:03:47.988" v="379" actId="20577"/>
@@ -186,39 +225,24 @@
     </pc:docChg>
   </pc:docChgLst>
   <pc:docChgLst>
-    <pc:chgData name="BBZW; Kunz Robert" userId="S::robert_kunz@sluz.ch::f6bcb7ba-1f4e-487e-b0b5-5ca07834302b" providerId="AD" clId="Web-{AB8622FC-3C1A-1927-4AFC-91B873C4EC45}"/>
+    <pc:chgData name="BBZB;BBZW; Furrer Jeremias" userId="S::jeremias_furrer@sluz.ch::72d0eb6f-282d-4a72-8d42-ae12970321f6" providerId="AD" clId="Web-{94B2631B-28CC-687C-8C04-107215F8BA77}"/>
     <pc:docChg chg="modSld">
-      <pc:chgData name="BBZW; Kunz Robert" userId="S::robert_kunz@sluz.ch::f6bcb7ba-1f4e-487e-b0b5-5ca07834302b" providerId="AD" clId="Web-{AB8622FC-3C1A-1927-4AFC-91B873C4EC45}" dt="2024-09-13T09:02:33.140" v="6" actId="20577"/>
+      <pc:chgData name="BBZB;BBZW; Furrer Jeremias" userId="S::jeremias_furrer@sluz.ch::72d0eb6f-282d-4a72-8d42-ae12970321f6" providerId="AD" clId="Web-{94B2631B-28CC-687C-8C04-107215F8BA77}" dt="2024-09-13T08:54:08.067" v="74" actId="20577"/>
       <pc:docMkLst>
         <pc:docMk/>
       </pc:docMkLst>
       <pc:sldChg chg="modSp">
-        <pc:chgData name="BBZW; Kunz Robert" userId="S::robert_kunz@sluz.ch::f6bcb7ba-1f4e-487e-b0b5-5ca07834302b" providerId="AD" clId="Web-{AB8622FC-3C1A-1927-4AFC-91B873C4EC45}" dt="2024-09-13T08:56:38.619" v="0" actId="20577"/>
+        <pc:chgData name="BBZB;BBZW; Furrer Jeremias" userId="S::jeremias_furrer@sluz.ch::72d0eb6f-282d-4a72-8d42-ae12970321f6" providerId="AD" clId="Web-{94B2631B-28CC-687C-8C04-107215F8BA77}" dt="2024-09-13T08:54:08.067" v="74" actId="20577"/>
         <pc:sldMkLst>
           <pc:docMk/>
-          <pc:sldMk cId="3294812889" sldId="259"/>
+          <pc:sldMk cId="1894830360" sldId="260"/>
         </pc:sldMkLst>
         <pc:spChg chg="mod">
-          <ac:chgData name="BBZW; Kunz Robert" userId="S::robert_kunz@sluz.ch::f6bcb7ba-1f4e-487e-b0b5-5ca07834302b" providerId="AD" clId="Web-{AB8622FC-3C1A-1927-4AFC-91B873C4EC45}" dt="2024-09-13T08:56:38.619" v="0" actId="20577"/>
+          <ac:chgData name="BBZB;BBZW; Furrer Jeremias" userId="S::jeremias_furrer@sluz.ch::72d0eb6f-282d-4a72-8d42-ae12970321f6" providerId="AD" clId="Web-{94B2631B-28CC-687C-8C04-107215F8BA77}" dt="2024-09-13T08:54:08.067" v="74" actId="20577"/>
           <ac:spMkLst>
             <pc:docMk/>
-            <pc:sldMk cId="3294812889" sldId="259"/>
-            <ac:spMk id="2" creationId="{37AB27C1-CFE1-D00A-7BBF-7F626DC0782B}"/>
-          </ac:spMkLst>
-        </pc:spChg>
-      </pc:sldChg>
-      <pc:sldChg chg="modSp">
-        <pc:chgData name="BBZW; Kunz Robert" userId="S::robert_kunz@sluz.ch::f6bcb7ba-1f4e-487e-b0b5-5ca07834302b" providerId="AD" clId="Web-{AB8622FC-3C1A-1927-4AFC-91B873C4EC45}" dt="2024-09-13T09:02:33.140" v="6" actId="20577"/>
-        <pc:sldMkLst>
-          <pc:docMk/>
-          <pc:sldMk cId="3686591860" sldId="261"/>
-        </pc:sldMkLst>
-        <pc:spChg chg="mod">
-          <ac:chgData name="BBZW; Kunz Robert" userId="S::robert_kunz@sluz.ch::f6bcb7ba-1f4e-487e-b0b5-5ca07834302b" providerId="AD" clId="Web-{AB8622FC-3C1A-1927-4AFC-91B873C4EC45}" dt="2024-09-13T09:02:33.140" v="6" actId="20577"/>
-          <ac:spMkLst>
-            <pc:docMk/>
-            <pc:sldMk cId="3686591860" sldId="261"/>
-            <ac:spMk id="2" creationId="{201175E4-BAF4-96A2-B48F-703CBE098588}"/>
+            <pc:sldMk cId="1894830360" sldId="260"/>
+            <ac:spMk id="2" creationId="{A7FBAB4B-1FB2-55D7-94AD-8DBC6D7CF6C7}"/>
           </ac:spMkLst>
         </pc:spChg>
       </pc:sldChg>
@@ -791,30 +815,6 @@
       </pc:sldChg>
     </pc:docChg>
   </pc:docChgLst>
-  <pc:docChgLst>
-    <pc:chgData name="BBZB;BBZW; Furrer Jeremias" userId="S::jeremias_furrer@sluz.ch::72d0eb6f-282d-4a72-8d42-ae12970321f6" providerId="AD" clId="Web-{94B2631B-28CC-687C-8C04-107215F8BA77}"/>
-    <pc:docChg chg="modSld">
-      <pc:chgData name="BBZB;BBZW; Furrer Jeremias" userId="S::jeremias_furrer@sluz.ch::72d0eb6f-282d-4a72-8d42-ae12970321f6" providerId="AD" clId="Web-{94B2631B-28CC-687C-8C04-107215F8BA77}" dt="2024-09-13T08:54:08.067" v="74" actId="20577"/>
-      <pc:docMkLst>
-        <pc:docMk/>
-      </pc:docMkLst>
-      <pc:sldChg chg="modSp">
-        <pc:chgData name="BBZB;BBZW; Furrer Jeremias" userId="S::jeremias_furrer@sluz.ch::72d0eb6f-282d-4a72-8d42-ae12970321f6" providerId="AD" clId="Web-{94B2631B-28CC-687C-8C04-107215F8BA77}" dt="2024-09-13T08:54:08.067" v="74" actId="20577"/>
-        <pc:sldMkLst>
-          <pc:docMk/>
-          <pc:sldMk cId="1894830360" sldId="260"/>
-        </pc:sldMkLst>
-        <pc:spChg chg="mod">
-          <ac:chgData name="BBZB;BBZW; Furrer Jeremias" userId="S::jeremias_furrer@sluz.ch::72d0eb6f-282d-4a72-8d42-ae12970321f6" providerId="AD" clId="Web-{94B2631B-28CC-687C-8C04-107215F8BA77}" dt="2024-09-13T08:54:08.067" v="74" actId="20577"/>
-          <ac:spMkLst>
-            <pc:docMk/>
-            <pc:sldMk cId="1894830360" sldId="260"/>
-            <ac:spMk id="2" creationId="{A7FBAB4B-1FB2-55D7-94AD-8DBC6D7CF6C7}"/>
-          </ac:spMkLst>
-        </pc:spChg>
-      </pc:sldChg>
-    </pc:docChg>
-  </pc:docChgLst>
 </pc:chgInfo>
 </file>
 
@@ -900,7 +900,7 @@
           <a:p>
             <a:fld id="{C22C6DC4-F888-6F45-B7B3-839EF1E91241}" type="datetimeFigureOut">
               <a:rPr lang="de-DE" smtClean="0"/>
-              <a:t>13.09.24</a:t>
+              <a:t>13.09.2024</a:t>
             </a:fld>
             <a:endParaRPr lang="de-DE"/>
           </a:p>
@@ -1058,7 +1058,7 @@
           <a:p>
             <a:fld id="{5309948F-02A1-1C47-A199-4B6FCFD0DAF3}" type="slidenum">
               <a:rPr lang="de-DE" smtClean="0"/>
-              <a:t>‹Nr.›</a:t>
+              <a:t>‹#›</a:t>
             </a:fld>
             <a:endParaRPr lang="de-DE"/>
           </a:p>
@@ -1314,7 +1314,7 @@
           <a:p>
             <a:fld id="{813D6CD3-B39C-1C40-A49D-F798795E8527}" type="datetimeFigureOut">
               <a:rPr lang="de-DE" smtClean="0"/>
-              <a:t>13.09.24</a:t>
+              <a:t>13.09.2024</a:t>
             </a:fld>
             <a:endParaRPr lang="de-DE"/>
           </a:p>
@@ -1368,7 +1368,7 @@
           <a:p>
             <a:fld id="{E21BEFB2-395C-2A4F-9DD7-68318145A4B0}" type="slidenum">
               <a:rPr lang="de-DE" smtClean="0"/>
-              <a:t>‹Nr.›</a:t>
+              <a:t>‹#›</a:t>
             </a:fld>
             <a:endParaRPr lang="de-DE"/>
           </a:p>
@@ -1512,7 +1512,7 @@
           <a:p>
             <a:fld id="{813D6CD3-B39C-1C40-A49D-F798795E8527}" type="datetimeFigureOut">
               <a:rPr lang="de-DE" smtClean="0"/>
-              <a:t>13.09.24</a:t>
+              <a:t>13.09.2024</a:t>
             </a:fld>
             <a:endParaRPr lang="de-DE"/>
           </a:p>
@@ -1566,7 +1566,7 @@
           <a:p>
             <a:fld id="{E21BEFB2-395C-2A4F-9DD7-68318145A4B0}" type="slidenum">
               <a:rPr lang="de-DE" smtClean="0"/>
-              <a:t>‹Nr.›</a:t>
+              <a:t>‹#›</a:t>
             </a:fld>
             <a:endParaRPr lang="de-DE"/>
           </a:p>
@@ -1720,7 +1720,7 @@
           <a:p>
             <a:fld id="{813D6CD3-B39C-1C40-A49D-F798795E8527}" type="datetimeFigureOut">
               <a:rPr lang="de-DE" smtClean="0"/>
-              <a:t>13.09.24</a:t>
+              <a:t>13.09.2024</a:t>
             </a:fld>
             <a:endParaRPr lang="de-DE"/>
           </a:p>
@@ -1774,7 +1774,7 @@
           <a:p>
             <a:fld id="{E21BEFB2-395C-2A4F-9DD7-68318145A4B0}" type="slidenum">
               <a:rPr lang="de-DE" smtClean="0"/>
-              <a:t>‹Nr.›</a:t>
+              <a:t>‹#›</a:t>
             </a:fld>
             <a:endParaRPr lang="de-DE"/>
           </a:p>
@@ -1918,7 +1918,7 @@
           <a:p>
             <a:fld id="{813D6CD3-B39C-1C40-A49D-F798795E8527}" type="datetimeFigureOut">
               <a:rPr lang="de-DE" smtClean="0"/>
-              <a:t>13.09.24</a:t>
+              <a:t>13.09.2024</a:t>
             </a:fld>
             <a:endParaRPr lang="de-DE"/>
           </a:p>
@@ -1972,7 +1972,7 @@
           <a:p>
             <a:fld id="{E21BEFB2-395C-2A4F-9DD7-68318145A4B0}" type="slidenum">
               <a:rPr lang="de-DE" smtClean="0"/>
-              <a:t>‹Nr.›</a:t>
+              <a:t>‹#›</a:t>
             </a:fld>
             <a:endParaRPr lang="de-DE"/>
           </a:p>
@@ -2193,7 +2193,7 @@
           <a:p>
             <a:fld id="{813D6CD3-B39C-1C40-A49D-F798795E8527}" type="datetimeFigureOut">
               <a:rPr lang="de-DE" smtClean="0"/>
-              <a:t>13.09.24</a:t>
+              <a:t>13.09.2024</a:t>
             </a:fld>
             <a:endParaRPr lang="de-DE"/>
           </a:p>
@@ -2247,7 +2247,7 @@
           <a:p>
             <a:fld id="{E21BEFB2-395C-2A4F-9DD7-68318145A4B0}" type="slidenum">
               <a:rPr lang="de-DE" smtClean="0"/>
-              <a:t>‹Nr.›</a:t>
+              <a:t>‹#›</a:t>
             </a:fld>
             <a:endParaRPr lang="de-DE"/>
           </a:p>
@@ -2458,7 +2458,7 @@
           <a:p>
             <a:fld id="{813D6CD3-B39C-1C40-A49D-F798795E8527}" type="datetimeFigureOut">
               <a:rPr lang="de-DE" smtClean="0"/>
-              <a:t>13.09.24</a:t>
+              <a:t>13.09.2024</a:t>
             </a:fld>
             <a:endParaRPr lang="de-DE"/>
           </a:p>
@@ -2512,7 +2512,7 @@
           <a:p>
             <a:fld id="{E21BEFB2-395C-2A4F-9DD7-68318145A4B0}" type="slidenum">
               <a:rPr lang="de-DE" smtClean="0"/>
-              <a:t>‹Nr.›</a:t>
+              <a:t>‹#›</a:t>
             </a:fld>
             <a:endParaRPr lang="de-DE"/>
           </a:p>
@@ -2870,7 +2870,7 @@
           <a:p>
             <a:fld id="{813D6CD3-B39C-1C40-A49D-F798795E8527}" type="datetimeFigureOut">
               <a:rPr lang="de-DE" smtClean="0"/>
-              <a:t>13.09.24</a:t>
+              <a:t>13.09.2024</a:t>
             </a:fld>
             <a:endParaRPr lang="de-DE"/>
           </a:p>
@@ -2924,7 +2924,7 @@
           <a:p>
             <a:fld id="{E21BEFB2-395C-2A4F-9DD7-68318145A4B0}" type="slidenum">
               <a:rPr lang="de-DE" smtClean="0"/>
-              <a:t>‹Nr.›</a:t>
+              <a:t>‹#›</a:t>
             </a:fld>
             <a:endParaRPr lang="de-DE"/>
           </a:p>
@@ -3011,7 +3011,7 @@
           <a:p>
             <a:fld id="{813D6CD3-B39C-1C40-A49D-F798795E8527}" type="datetimeFigureOut">
               <a:rPr lang="de-DE" smtClean="0"/>
-              <a:t>13.09.24</a:t>
+              <a:t>13.09.2024</a:t>
             </a:fld>
             <a:endParaRPr lang="de-DE"/>
           </a:p>
@@ -3065,7 +3065,7 @@
           <a:p>
             <a:fld id="{E21BEFB2-395C-2A4F-9DD7-68318145A4B0}" type="slidenum">
               <a:rPr lang="de-DE" smtClean="0"/>
-              <a:t>‹Nr.›</a:t>
+              <a:t>‹#›</a:t>
             </a:fld>
             <a:endParaRPr lang="de-DE"/>
           </a:p>
@@ -3124,7 +3124,7 @@
           <a:p>
             <a:fld id="{813D6CD3-B39C-1C40-A49D-F798795E8527}" type="datetimeFigureOut">
               <a:rPr lang="de-DE" smtClean="0"/>
-              <a:t>13.09.24</a:t>
+              <a:t>13.09.2024</a:t>
             </a:fld>
             <a:endParaRPr lang="de-DE"/>
           </a:p>
@@ -3178,7 +3178,7 @@
           <a:p>
             <a:fld id="{E21BEFB2-395C-2A4F-9DD7-68318145A4B0}" type="slidenum">
               <a:rPr lang="de-DE" smtClean="0"/>
-              <a:t>‹Nr.›</a:t>
+              <a:t>‹#›</a:t>
             </a:fld>
             <a:endParaRPr lang="de-DE"/>
           </a:p>
@@ -3435,7 +3435,7 @@
           <a:p>
             <a:fld id="{813D6CD3-B39C-1C40-A49D-F798795E8527}" type="datetimeFigureOut">
               <a:rPr lang="de-DE" smtClean="0"/>
-              <a:t>13.09.24</a:t>
+              <a:t>13.09.2024</a:t>
             </a:fld>
             <a:endParaRPr lang="de-DE"/>
           </a:p>
@@ -3489,7 +3489,7 @@
           <a:p>
             <a:fld id="{E21BEFB2-395C-2A4F-9DD7-68318145A4B0}" type="slidenum">
               <a:rPr lang="de-DE" smtClean="0"/>
-              <a:t>‹Nr.›</a:t>
+              <a:t>‹#›</a:t>
             </a:fld>
             <a:endParaRPr lang="de-DE"/>
           </a:p>
@@ -3723,7 +3723,7 @@
           <a:p>
             <a:fld id="{813D6CD3-B39C-1C40-A49D-F798795E8527}" type="datetimeFigureOut">
               <a:rPr lang="de-DE" smtClean="0"/>
-              <a:t>13.09.24</a:t>
+              <a:t>13.09.2024</a:t>
             </a:fld>
             <a:endParaRPr lang="de-DE"/>
           </a:p>
@@ -3777,7 +3777,7 @@
           <a:p>
             <a:fld id="{E21BEFB2-395C-2A4F-9DD7-68318145A4B0}" type="slidenum">
               <a:rPr lang="de-DE" smtClean="0"/>
-              <a:t>‹Nr.›</a:t>
+              <a:t>‹#›</a:t>
             </a:fld>
             <a:endParaRPr lang="de-DE"/>
           </a:p>
@@ -3964,7 +3964,7 @@
           <a:p>
             <a:fld id="{813D6CD3-B39C-1C40-A49D-F798795E8527}" type="datetimeFigureOut">
               <a:rPr lang="de-DE" smtClean="0"/>
-              <a:t>13.09.24</a:t>
+              <a:t>13.09.2024</a:t>
             </a:fld>
             <a:endParaRPr lang="de-DE"/>
           </a:p>
@@ -4054,7 +4054,7 @@
           <a:p>
             <a:fld id="{E21BEFB2-395C-2A4F-9DD7-68318145A4B0}" type="slidenum">
               <a:rPr lang="de-DE" smtClean="0"/>
-              <a:t>‹Nr.›</a:t>
+              <a:t>‹#›</a:t>
             </a:fld>
             <a:endParaRPr lang="de-DE"/>
           </a:p>
@@ -5589,7 +5589,7 @@
               <a:buChar char="•"/>
             </a:pPr>
             <a:r>
-              <a:rPr lang="de-CH" sz="2000" dirty="0"/>
+              <a:rPr lang="de-CH" sz="2000"/>
               <a:t>DEV-Umgebung speziell für Entwicklung von Software gedacht</a:t>
             </a:r>
           </a:p>
@@ -5599,7 +5599,7 @@
               <a:buChar char="•"/>
             </a:pPr>
             <a:r>
-              <a:rPr lang="de-CH" sz="2000" dirty="0"/>
+              <a:rPr lang="de-CH" sz="2000"/>
               <a:t>Arbeit an neuen Features, Bugfixes und Anpassungen</a:t>
             </a:r>
           </a:p>
@@ -5609,16 +5609,16 @@
               <a:buChar char="•"/>
             </a:pPr>
             <a:r>
-              <a:rPr lang="de-CH" sz="2000" dirty="0"/>
+              <a:rPr lang="de-CH" sz="2000"/>
               <a:t>Umgebung oft instabil </a:t>
             </a:r>
             <a:r>
-              <a:rPr lang="de-CH" sz="2000" dirty="0">
+              <a:rPr lang="de-CH" sz="2000">
                 <a:sym typeface="Wingdings" pitchFamily="2" charset="2"/>
               </a:rPr>
               <a:t> viele Fehler</a:t>
             </a:r>
-            <a:endParaRPr lang="de-CH" sz="2000" dirty="0"/>
+            <a:endParaRPr lang="de-CH" sz="2000"/>
           </a:p>
           <a:p>
             <a:pPr>
@@ -5626,7 +5626,7 @@
               <a:buChar char="•"/>
             </a:pPr>
             <a:r>
-              <a:rPr lang="de-CH" sz="2000" dirty="0"/>
+              <a:rPr lang="de-CH" sz="2000"/>
               <a:t>Geringere Performanceanforderungen als auf PROD</a:t>
             </a:r>
           </a:p>
@@ -5636,12 +5636,12 @@
               <a:buChar char="•"/>
             </a:pPr>
             <a:r>
-              <a:rPr lang="de-CH" sz="2000" dirty="0"/>
+              <a:rPr lang="de-CH" sz="2000"/>
               <a:t>Fokus auf Funktionalität</a:t>
             </a:r>
           </a:p>
           <a:p>
-            <a:endParaRPr lang="de-DE" sz="2000" dirty="0"/>
+            <a:endParaRPr lang="de-DE" sz="2000"/>
           </a:p>
         </p:txBody>
       </p:sp>
@@ -6142,48 +6142,48 @@
               <a:buNone/>
             </a:pPr>
             <a:r>
-              <a:rPr lang="de-CH" sz="2000" b="1" dirty="0"/>
+              <a:rPr lang="de-CH" sz="2000" b="1"/>
               <a:t>Gut geeignet für:</a:t>
             </a:r>
-            <a:endParaRPr lang="de-CH" sz="2000" dirty="0"/>
-          </a:p>
-          <a:p>
-            <a:r>
-              <a:rPr lang="de-CH" sz="2000" b="1" dirty="0"/>
+            <a:endParaRPr lang="de-CH" sz="2000"/>
+          </a:p>
+          <a:p>
+            <a:r>
+              <a:rPr lang="de-CH" sz="2000" b="1"/>
               <a:t>Entwicklung und Testen von Code: </a:t>
             </a:r>
             <a:r>
-              <a:rPr lang="de-CH" sz="2000" dirty="0"/>
+              <a:rPr lang="de-CH" sz="2000"/>
               <a:t>Entwickler können neuen Code schreiben und testen, ohne das Produktionssystem zu beeinträchtigen.</a:t>
             </a:r>
           </a:p>
           <a:p>
             <a:r>
-              <a:rPr lang="de-CH" sz="2000" b="1" dirty="0"/>
+              <a:rPr lang="de-CH" sz="2000" b="1"/>
               <a:t>Fehlerbehebung: </a:t>
             </a:r>
             <a:r>
-              <a:rPr lang="de-CH" sz="2000" dirty="0"/>
+              <a:rPr lang="de-CH" sz="2000"/>
               <a:t>Identifizieren und Beheben von Fehlern in einem isolierten Umfeld.</a:t>
             </a:r>
           </a:p>
           <a:p>
             <a:r>
-              <a:rPr lang="de-CH" sz="2000" b="1" dirty="0"/>
+              <a:rPr lang="de-CH" sz="2000" b="1"/>
               <a:t>Integrationstests: </a:t>
             </a:r>
             <a:r>
-              <a:rPr lang="de-CH" sz="2000" dirty="0"/>
+              <a:rPr lang="de-CH" sz="2000"/>
               <a:t>Testen der Interaktion zwischen verschiedenen Modulen oder Services.</a:t>
             </a:r>
           </a:p>
           <a:p>
             <a:r>
-              <a:rPr lang="de-CH" sz="2000" b="1" dirty="0"/>
+              <a:rPr lang="de-CH" sz="2000" b="1"/>
               <a:t>Sicherheitsüberprüfungen: </a:t>
             </a:r>
             <a:r>
-              <a:rPr lang="de-CH" sz="2000" dirty="0"/>
+              <a:rPr lang="de-CH" sz="2000"/>
               <a:t>Testen von Sicherheitslücken und Implementierung von Sicherheitsmaßnahmen.</a:t>
             </a:r>
           </a:p>
@@ -6679,7 +6679,7 @@
               <a:buNone/>
             </a:pPr>
             <a:r>
-              <a:rPr lang="de-CH" sz="2000" b="1" dirty="0"/>
+              <a:rPr lang="de-CH" sz="2000" b="1"/>
               <a:t>Schlecht geeignet für:</a:t>
             </a:r>
           </a:p>
@@ -6689,7 +6689,7 @@
               <a:buChar char="•"/>
             </a:pPr>
             <a:r>
-              <a:rPr lang="de-CH" sz="2000" dirty="0"/>
+              <a:rPr lang="de-CH" sz="2000"/>
               <a:t>Leistungstests, da die Umgebung oft nicht die gleichen Spezifikationen wie die Produktionsumgebung hat.</a:t>
             </a:r>
           </a:p>
@@ -6699,7 +6699,7 @@
               <a:buChar char="•"/>
             </a:pPr>
             <a:r>
-              <a:rPr lang="de-CH" sz="2000" dirty="0"/>
+              <a:rPr lang="de-CH" sz="2000"/>
               <a:t>Sicherheits- oder Compliance-Tests, da in der DEV-Umgebung oft weniger strikte Sicherheitsmaßnahmen gelten.</a:t>
             </a:r>
           </a:p>
@@ -6709,12 +6709,12 @@
               <a:buChar char="•"/>
             </a:pPr>
             <a:r>
-              <a:rPr lang="de-CH" sz="2000" dirty="0"/>
+              <a:rPr lang="de-CH" sz="2000"/>
               <a:t>Endbenutzer-Tests, da die Umgebung möglicherweise instabil ist.</a:t>
             </a:r>
           </a:p>
           <a:p>
-            <a:endParaRPr lang="de-DE" sz="2000" dirty="0"/>
+            <a:endParaRPr lang="de-DE" sz="2000"/>
           </a:p>
         </p:txBody>
       </p:sp>
@@ -7208,10 +7208,10 @@
               <a:buNone/>
             </a:pPr>
             <a:r>
-              <a:rPr lang="de-CH" sz="2000" b="1" dirty="0"/>
+              <a:rPr lang="de-CH" sz="2000" b="1"/>
               <a:t>Installationsprozess:</a:t>
             </a:r>
-            <a:endParaRPr lang="de-CH" sz="2000" dirty="0"/>
+            <a:endParaRPr lang="de-CH" sz="2000"/>
           </a:p>
           <a:p>
             <a:pPr marL="742950" lvl="1" indent="-285750">
@@ -7219,7 +7219,7 @@
               <a:buChar char="•"/>
             </a:pPr>
             <a:r>
-              <a:rPr lang="de-CH" sz="2000" dirty="0"/>
+              <a:rPr lang="de-CH" sz="2000"/>
               <a:t>Anwendungen und Services direkt in der DEV-Umgebung installiert</a:t>
             </a:r>
           </a:p>
@@ -7229,7 +7229,7 @@
               <a:buChar char="•"/>
             </a:pPr>
             <a:r>
-              <a:rPr lang="de-CH" sz="2000" dirty="0"/>
+              <a:rPr lang="de-CH" sz="2000"/>
               <a:t>oft automatisiert durch CI/CD-Pipelines</a:t>
             </a:r>
           </a:p>
@@ -7238,10 +7238,10 @@
               <a:buNone/>
             </a:pPr>
             <a:r>
-              <a:rPr lang="de-CH" sz="2000" b="1" dirty="0"/>
+              <a:rPr lang="de-CH" sz="2000" b="1"/>
               <a:t>Nutzer und Berechtigungen:</a:t>
             </a:r>
-            <a:endParaRPr lang="de-CH" sz="2000" dirty="0"/>
+            <a:endParaRPr lang="de-CH" sz="2000"/>
           </a:p>
           <a:p>
             <a:pPr marL="742950" lvl="1" indent="-285750">
@@ -7249,7 +7249,7 @@
               <a:buChar char="•"/>
             </a:pPr>
             <a:r>
-              <a:rPr lang="de-CH" sz="2000" dirty="0"/>
+              <a:rPr lang="de-CH" sz="2000"/>
               <a:t>Hauptnutzer sind Entwickler</a:t>
             </a:r>
           </a:p>
@@ -7259,17 +7259,17 @@
               <a:buChar char="•"/>
             </a:pPr>
             <a:r>
-              <a:rPr lang="de-CH" sz="2000" dirty="0"/>
+              <a:rPr lang="de-CH" sz="2000"/>
               <a:t>Entwickler oft weitreichende Berechtigungen </a:t>
             </a:r>
             <a:r>
-              <a:rPr lang="de-CH" sz="2000" dirty="0">
+              <a:rPr lang="de-CH" sz="2000">
                 <a:sym typeface="Wingdings" pitchFamily="2" charset="2"/>
               </a:rPr>
               <a:t> </a:t>
             </a:r>
             <a:r>
-              <a:rPr lang="de-CH" sz="2000" dirty="0"/>
+              <a:rPr lang="de-CH" sz="2000"/>
               <a:t>Anpassungen schnell umsetzen</a:t>
             </a:r>
           </a:p>
@@ -7279,17 +7279,17 @@
               <a:buChar char="•"/>
             </a:pPr>
             <a:r>
-              <a:rPr lang="de-CH" sz="2000" dirty="0"/>
+              <a:rPr lang="de-CH" sz="2000"/>
               <a:t> oft auch </a:t>
             </a:r>
             <a:r>
-              <a:rPr lang="de-CH" sz="2000" dirty="0" err="1"/>
+              <a:rPr lang="de-CH" sz="2000" err="1"/>
               <a:t>Testerzugang</a:t>
             </a:r>
-            <a:endParaRPr lang="de-CH" sz="2000" dirty="0"/>
-          </a:p>
-          <a:p>
-            <a:endParaRPr lang="de-DE" sz="2000" dirty="0"/>
+            <a:endParaRPr lang="de-CH" sz="2000"/>
+          </a:p>
+          <a:p>
+            <a:endParaRPr lang="de-DE" sz="2000"/>
           </a:p>
         </p:txBody>
       </p:sp>
@@ -8644,7 +8644,7 @@
           <a:lstStyle/>
           <a:p>
             <a:r>
-              <a:rPr lang="en-US" kern="1200" dirty="0">
+              <a:rPr lang="en-US" kern="1200">
                 <a:solidFill>
                   <a:srgbClr val="FFFFFF"/>
                 </a:solidFill>
